--- a/LectureFiles/cshl/2014/RNASeq_Module5_Lecture.pptx
+++ b/LectureFiles/cshl/2014/RNASeq_Module5_Lecture.pptx
@@ -262,7 +262,7 @@
               <a:pPr>
                 <a:defRPr/>
               </a:pPr>
-              <a:t>11/16/14</a:t>
+              <a:t>11/18/14</a:t>
             </a:fld>
             <a:endParaRPr lang="en-US"/>
           </a:p>
@@ -469,7 +469,7 @@
               <a:pPr>
                 <a:defRPr/>
               </a:pPr>
-              <a:t>11/16/14</a:t>
+              <a:t>11/18/14</a:t>
             </a:fld>
             <a:endParaRPr lang="en-US"/>
           </a:p>
@@ -3372,7 +3372,7 @@
               <a:pPr>
                 <a:defRPr/>
               </a:pPr>
-              <a:t>11/16/14</a:t>
+              <a:t>11/18/14</a:t>
             </a:fld>
             <a:endParaRPr lang="en-US"/>
           </a:p>
@@ -7866,27 +7866,7 @@
                 <a:latin typeface="Calibri" charset="0"/>
                 <a:cs typeface="Segoe UI" charset="0"/>
               </a:rPr>
-              <a:t>Module </a:t>
-            </a:r>
-            <a:r>
-              <a:rPr lang="en-US" sz="2000" dirty="0" smtClean="0">
-                <a:solidFill>
-                  <a:schemeClr val="bg1"/>
-                </a:solidFill>
-                <a:latin typeface="Calibri" charset="0"/>
-                <a:cs typeface="Segoe UI" charset="0"/>
-              </a:rPr>
-              <a:t>5</a:t>
-            </a:r>
-            <a:r>
-              <a:rPr lang="en-US" sz="2000" dirty="0" smtClean="0">
-                <a:solidFill>
-                  <a:schemeClr val="bg1"/>
-                </a:solidFill>
-                <a:latin typeface="Calibri" charset="0"/>
-                <a:cs typeface="Segoe UI" charset="0"/>
-              </a:rPr>
-              <a:t/>
+              <a:t>Module 5</a:t>
             </a:r>
             <a:br>
               <a:rPr lang="en-US" sz="2000" dirty="0" smtClean="0">
